--- a/2. Capa de transporte/Taller 1.pptx
+++ b/2. Capa de transporte/Taller 1.pptx
@@ -200,7 +200,7 @@
           <a:p>
             <a:fld id="{430AAACB-714D-4ED6-9BCD-E10DE1E326CF}" type="datetimeFigureOut">
               <a:rPr lang="es-CO" smtClean="0"/>
-              <a:t>9/02/23</a:t>
+              <a:t>11/08/23</a:t>
             </a:fld>
             <a:endParaRPr lang="es-CO"/>
           </a:p>
@@ -694,7 +694,7 @@
           <a:p>
             <a:fld id="{C214C790-AC43-4046-BAB7-879940BCF0AB}" type="datetimeFigureOut">
               <a:rPr lang="es-CO" smtClean="0"/>
-              <a:t>9/02/23</a:t>
+              <a:t>11/08/23</a:t>
             </a:fld>
             <a:endParaRPr lang="es-CO"/>
           </a:p>
@@ -902,7 +902,7 @@
           <a:p>
             <a:fld id="{C214C790-AC43-4046-BAB7-879940BCF0AB}" type="datetimeFigureOut">
               <a:rPr lang="es-CO" smtClean="0"/>
-              <a:t>9/02/23</a:t>
+              <a:t>11/08/23</a:t>
             </a:fld>
             <a:endParaRPr lang="es-CO"/>
           </a:p>
@@ -1158,7 +1158,7 @@
           <a:p>
             <a:fld id="{C214C790-AC43-4046-BAB7-879940BCF0AB}" type="datetimeFigureOut">
               <a:rPr lang="es-CO" smtClean="0"/>
-              <a:t>9/02/23</a:t>
+              <a:t>11/08/23</a:t>
             </a:fld>
             <a:endParaRPr lang="es-CO"/>
           </a:p>
@@ -1328,7 +1328,7 @@
           <a:p>
             <a:fld id="{C214C790-AC43-4046-BAB7-879940BCF0AB}" type="datetimeFigureOut">
               <a:rPr lang="es-CO" smtClean="0"/>
-              <a:t>9/02/23</a:t>
+              <a:t>11/08/23</a:t>
             </a:fld>
             <a:endParaRPr lang="es-CO"/>
           </a:p>
@@ -1671,7 +1671,7 @@
           <a:p>
             <a:fld id="{C214C790-AC43-4046-BAB7-879940BCF0AB}" type="datetimeFigureOut">
               <a:rPr lang="es-CO" smtClean="0"/>
-              <a:t>9/02/23</a:t>
+              <a:t>11/08/23</a:t>
             </a:fld>
             <a:endParaRPr lang="es-CO"/>
           </a:p>
@@ -1946,7 +1946,7 @@
           <a:p>
             <a:fld id="{C214C790-AC43-4046-BAB7-879940BCF0AB}" type="datetimeFigureOut">
               <a:rPr lang="es-CO" smtClean="0"/>
-              <a:t>9/02/23</a:t>
+              <a:t>11/08/23</a:t>
             </a:fld>
             <a:endParaRPr lang="es-CO"/>
           </a:p>
@@ -2325,7 +2325,7 @@
           <a:p>
             <a:fld id="{C214C790-AC43-4046-BAB7-879940BCF0AB}" type="datetimeFigureOut">
               <a:rPr lang="es-CO" smtClean="0"/>
-              <a:t>9/02/23</a:t>
+              <a:t>11/08/23</a:t>
             </a:fld>
             <a:endParaRPr lang="es-CO"/>
           </a:p>
@@ -2443,7 +2443,7 @@
           <a:p>
             <a:fld id="{C214C790-AC43-4046-BAB7-879940BCF0AB}" type="datetimeFigureOut">
               <a:rPr lang="es-CO" smtClean="0"/>
-              <a:t>9/02/23</a:t>
+              <a:t>11/08/23</a:t>
             </a:fld>
             <a:endParaRPr lang="es-CO"/>
           </a:p>
@@ -2614,7 +2614,7 @@
           <a:p>
             <a:fld id="{C214C790-AC43-4046-BAB7-879940BCF0AB}" type="datetimeFigureOut">
               <a:rPr lang="es-CO" smtClean="0"/>
-              <a:t>9/02/23</a:t>
+              <a:t>11/08/23</a:t>
             </a:fld>
             <a:endParaRPr lang="es-CO"/>
           </a:p>
@@ -2968,7 +2968,7 @@
           <a:p>
             <a:fld id="{C214C790-AC43-4046-BAB7-879940BCF0AB}" type="datetimeFigureOut">
               <a:rPr lang="es-CO" smtClean="0"/>
-              <a:t>9/02/23</a:t>
+              <a:t>11/08/23</a:t>
             </a:fld>
             <a:endParaRPr lang="es-CO"/>
           </a:p>
@@ -3345,7 +3345,7 @@
           <a:p>
             <a:fld id="{C214C790-AC43-4046-BAB7-879940BCF0AB}" type="datetimeFigureOut">
               <a:rPr lang="es-CO" smtClean="0"/>
-              <a:t>9/02/23</a:t>
+              <a:t>11/08/23</a:t>
             </a:fld>
             <a:endParaRPr lang="es-CO"/>
           </a:p>
@@ -3632,7 +3632,7 @@
           <a:p>
             <a:fld id="{C214C790-AC43-4046-BAB7-879940BCF0AB}" type="datetimeFigureOut">
               <a:rPr lang="es-CO" smtClean="0"/>
-              <a:t>9/02/23</a:t>
+              <a:t>11/08/23</a:t>
             </a:fld>
             <a:endParaRPr lang="es-CO"/>
           </a:p>
@@ -4747,13 +4747,17 @@
             </a:pPr>
             <a:r>
               <a:rPr lang="es-ES" dirty="0"/>
-              <a:t>4. Cuando el cliente vuelva a digitar un comando, un nuevo enlace TCP se crea, el cliente envía el dato, el servidor responde y ambos se </a:t>
-            </a:r>
-            <a:r>
-              <a:rPr lang="es-ES"/>
-              <a:t>desconectan.</a:t>
-            </a:r>
-            <a:endParaRPr lang="es-ES" dirty="0"/>
+              <a:t>4. Cuando el cliente vuelva a digitar un comando, un nuevo enlace TCP se crea, el cliente envía el dato, el servidor responde y ambos se desconectan.</a:t>
+            </a:r>
+          </a:p>
+          <a:p>
+            <a:pPr marL="0" indent="0">
+              <a:buNone/>
+            </a:pPr>
+            <a:r>
+              <a:rPr lang="es-ES" dirty="0"/>
+              <a:t>5. El servidor soporta múltiples clientes</a:t>
+            </a:r>
           </a:p>
         </p:txBody>
       </p:sp>
